--- a/documents/Предзахист_ПавленкоВ.М копія.pptx
+++ b/documents/Предзахист_ПавленкоВ.М копія.pptx
@@ -13,12 +13,6 @@
     <p:sldId id="266" r:id="rId7"/>
     <p:sldId id="270" r:id="rId8"/>
     <p:sldId id="267" r:id="rId9"/>
-    <p:sldId id="269" r:id="rId10"/>
-    <p:sldId id="260" r:id="rId11"/>
-    <p:sldId id="262" r:id="rId12"/>
-    <p:sldId id="261" r:id="rId13"/>
-    <p:sldId id="263" r:id="rId14"/>
-    <p:sldId id="265" r:id="rId15"/>
   </p:sldIdLst>
   <p:sldSz cx="12192000" cy="6858000"/>
   <p:notesSz cx="6858000" cy="9144000"/>
@@ -848,7 +842,7 @@
             <a:fld id="{B61BEF0D-F0BB-DE4B-95CE-6DB70DBA9567}" type="datetimeFigureOut">
               <a:rPr lang="en-US" dirty="0"/>
               <a:pPr/>
-              <a:t>3/12/18</a:t>
+              <a:t>4/21/18</a:t>
             </a:fld>
             <a:endParaRPr lang="en-US" dirty="0"/>
           </a:p>
@@ -1096,7 +1090,7 @@
             <a:fld id="{B61BEF0D-F0BB-DE4B-95CE-6DB70DBA9567}" type="datetimeFigureOut">
               <a:rPr lang="en-US" dirty="0"/>
               <a:pPr/>
-              <a:t>3/12/18</a:t>
+              <a:t>4/21/18</a:t>
             </a:fld>
             <a:endParaRPr lang="en-US" dirty="0"/>
           </a:p>
@@ -1407,7 +1401,7 @@
             <a:fld id="{B61BEF0D-F0BB-DE4B-95CE-6DB70DBA9567}" type="datetimeFigureOut">
               <a:rPr lang="en-US" dirty="0"/>
               <a:pPr/>
-              <a:t>3/12/18</a:t>
+              <a:t>4/21/18</a:t>
             </a:fld>
             <a:endParaRPr lang="en-US" dirty="0"/>
           </a:p>
@@ -1745,7 +1739,7 @@
             <a:fld id="{B61BEF0D-F0BB-DE4B-95CE-6DB70DBA9567}" type="datetimeFigureOut">
               <a:rPr lang="en-US" dirty="0"/>
               <a:pPr/>
-              <a:t>3/12/18</a:t>
+              <a:t>4/21/18</a:t>
             </a:fld>
             <a:endParaRPr lang="en-US" dirty="0"/>
           </a:p>
@@ -2056,7 +2050,7 @@
             <a:fld id="{B61BEF0D-F0BB-DE4B-95CE-6DB70DBA9567}" type="datetimeFigureOut">
               <a:rPr lang="en-US" dirty="0"/>
               <a:pPr/>
-              <a:t>3/12/18</a:t>
+              <a:t>4/21/18</a:t>
             </a:fld>
             <a:endParaRPr lang="en-US" dirty="0"/>
           </a:p>
@@ -2446,7 +2440,7 @@
             <a:fld id="{B61BEF0D-F0BB-DE4B-95CE-6DB70DBA9567}" type="datetimeFigureOut">
               <a:rPr lang="en-US" dirty="0"/>
               <a:pPr/>
-              <a:t>3/12/18</a:t>
+              <a:t>4/21/18</a:t>
             </a:fld>
             <a:endParaRPr lang="en-US" dirty="0"/>
           </a:p>
@@ -2612,7 +2606,7 @@
           <a:p>
             <a:fld id="{55C6B4A9-1611-4792-9094-5F34BCA07E0B}" type="datetimeFigureOut">
               <a:rPr lang="en-US" dirty="0"/>
-              <a:t>3/12/18</a:t>
+              <a:t>4/21/18</a:t>
             </a:fld>
             <a:endParaRPr lang="en-US" dirty="0"/>
           </a:p>
@@ -2788,7 +2782,7 @@
             <a:fld id="{B61BEF0D-F0BB-DE4B-95CE-6DB70DBA9567}" type="datetimeFigureOut">
               <a:rPr lang="en-US" dirty="0"/>
               <a:pPr/>
-              <a:t>3/12/18</a:t>
+              <a:t>4/21/18</a:t>
             </a:fld>
             <a:endParaRPr lang="en-US" dirty="0"/>
           </a:p>
@@ -2961,7 +2955,7 @@
             <a:fld id="{B61BEF0D-F0BB-DE4B-95CE-6DB70DBA9567}" type="datetimeFigureOut">
               <a:rPr lang="en-US" dirty="0"/>
               <a:pPr/>
-              <a:t>3/12/18</a:t>
+              <a:t>4/21/18</a:t>
             </a:fld>
             <a:endParaRPr lang="en-US" dirty="0"/>
           </a:p>
@@ -3205,7 +3199,7 @@
             <a:fld id="{B61BEF0D-F0BB-DE4B-95CE-6DB70DBA9567}" type="datetimeFigureOut">
               <a:rPr lang="en-US" dirty="0"/>
               <a:pPr/>
-              <a:t>3/12/18</a:t>
+              <a:t>4/21/18</a:t>
             </a:fld>
             <a:endParaRPr lang="en-US" dirty="0"/>
           </a:p>
@@ -3433,7 +3427,7 @@
           <a:p>
             <a:fld id="{EB712588-04B1-427B-82EE-E8DB90309F08}" type="datetimeFigureOut">
               <a:rPr lang="en-US" dirty="0"/>
-              <a:t>3/12/18</a:t>
+              <a:t>4/21/18</a:t>
             </a:fld>
             <a:endParaRPr lang="en-US" dirty="0"/>
           </a:p>
@@ -3803,7 +3797,7 @@
             <a:fld id="{B61BEF0D-F0BB-DE4B-95CE-6DB70DBA9567}" type="datetimeFigureOut">
               <a:rPr lang="en-US" dirty="0"/>
               <a:pPr/>
-              <a:t>3/12/18</a:t>
+              <a:t>4/21/18</a:t>
             </a:fld>
             <a:endParaRPr lang="en-US" dirty="0"/>
           </a:p>
@@ -3923,7 +3917,7 @@
             <a:fld id="{B61BEF0D-F0BB-DE4B-95CE-6DB70DBA9567}" type="datetimeFigureOut">
               <a:rPr lang="en-US" dirty="0"/>
               <a:pPr/>
-              <a:t>3/12/18</a:t>
+              <a:t>4/21/18</a:t>
             </a:fld>
             <a:endParaRPr lang="en-US" dirty="0"/>
           </a:p>
@@ -4015,7 +4009,7 @@
             <a:fld id="{B61BEF0D-F0BB-DE4B-95CE-6DB70DBA9567}" type="datetimeFigureOut">
               <a:rPr lang="en-US" dirty="0"/>
               <a:pPr/>
-              <a:t>3/12/18</a:t>
+              <a:t>4/21/18</a:t>
             </a:fld>
             <a:endParaRPr lang="en-US" dirty="0"/>
           </a:p>
@@ -4266,7 +4260,7 @@
           <a:p>
             <a:fld id="{42A54C80-263E-416B-A8E0-580EDEADCBDC}" type="datetimeFigureOut">
               <a:rPr lang="en-US" dirty="0"/>
-              <a:t>3/12/18</a:t>
+              <a:t>4/21/18</a:t>
             </a:fld>
             <a:endParaRPr lang="en-US" dirty="0"/>
           </a:p>
@@ -4525,7 +4519,7 @@
             <a:fld id="{B61BEF0D-F0BB-DE4B-95CE-6DB70DBA9567}" type="datetimeFigureOut">
               <a:rPr lang="en-US" dirty="0"/>
               <a:pPr/>
-              <a:t>3/12/18</a:t>
+              <a:t>4/21/18</a:t>
             </a:fld>
             <a:endParaRPr lang="en-US" dirty="0"/>
           </a:p>
@@ -5265,7 +5259,7 @@
             <a:fld id="{B61BEF0D-F0BB-DE4B-95CE-6DB70DBA9567}" type="datetimeFigureOut">
               <a:rPr lang="en-US" dirty="0"/>
               <a:pPr/>
-              <a:t>3/12/18</a:t>
+              <a:t>4/21/18</a:t>
             </a:fld>
             <a:endParaRPr lang="en-US" dirty="0"/>
           </a:p>
@@ -5875,455 +5869,6 @@
 </p:sld>
 </file>
 
-<file path=ppt/slides/slide10.xml><?xml version="1.0" encoding="utf-8"?>
-<p:sld xmlns:a="http://schemas.openxmlformats.org/drawingml/2006/main" xmlns:r="http://schemas.openxmlformats.org/officeDocument/2006/relationships" xmlns:p="http://schemas.openxmlformats.org/presentationml/2006/main">
-  <p:cSld>
-    <p:spTree>
-      <p:nvGrpSpPr>
-        <p:cNvPr id="1" name=""/>
-        <p:cNvGrpSpPr/>
-        <p:nvPr/>
-      </p:nvGrpSpPr>
-      <p:grpSpPr>
-        <a:xfrm>
-          <a:off x="0" y="0"/>
-          <a:ext cx="0" cy="0"/>
-          <a:chOff x="0" y="0"/>
-          <a:chExt cx="0" cy="0"/>
-        </a:xfrm>
-      </p:grpSpPr>
-      <p:pic>
-        <p:nvPicPr>
-          <p:cNvPr id="3" name="Рисунок 2"/>
-          <p:cNvPicPr>
-            <a:picLocks noChangeAspect="1"/>
-          </p:cNvPicPr>
-          <p:nvPr/>
-        </p:nvPicPr>
-        <p:blipFill>
-          <a:blip r:embed="rId2"/>
-          <a:stretch>
-            <a:fillRect/>
-          </a:stretch>
-        </p:blipFill>
-        <p:spPr>
-          <a:xfrm>
-            <a:off x="473982" y="512619"/>
-            <a:ext cx="7905750" cy="6345382"/>
-          </a:xfrm>
-          <a:prstGeom prst="rect">
-            <a:avLst/>
-          </a:prstGeom>
-        </p:spPr>
-      </p:pic>
-      <p:sp>
-        <p:nvSpPr>
-          <p:cNvPr id="4" name="TextBox 3"/>
-          <p:cNvSpPr txBox="1"/>
-          <p:nvPr/>
-        </p:nvSpPr>
-        <p:spPr>
-          <a:xfrm>
-            <a:off x="3505200" y="251009"/>
-            <a:ext cx="5597236" cy="523220"/>
-          </a:xfrm>
-          <a:prstGeom prst="rect">
-            <a:avLst/>
-          </a:prstGeom>
-          <a:noFill/>
-        </p:spPr>
-        <p:txBody>
-          <a:bodyPr wrap="square" rtlCol="0">
-            <a:spAutoFit/>
-          </a:bodyPr>
-          <a:lstStyle/>
-          <a:p>
-            <a:r>
-              <a:rPr lang="uk-UA" sz="2800" dirty="0">
-                <a:latin typeface="Arial Black" panose="020B0A04020102020204" pitchFamily="34" charset="0"/>
-              </a:rPr>
-              <a:t>Створення завдання</a:t>
-            </a:r>
-          </a:p>
-        </p:txBody>
-      </p:sp>
-    </p:spTree>
-    <p:extLst>
-      <p:ext uri="{BB962C8B-B14F-4D97-AF65-F5344CB8AC3E}">
-        <p14:creationId xmlns:p14="http://schemas.microsoft.com/office/powerpoint/2010/main" val="1141760854"/>
-      </p:ext>
-    </p:extLst>
-  </p:cSld>
-  <p:clrMapOvr>
-    <a:masterClrMapping/>
-  </p:clrMapOvr>
-</p:sld>
-</file>
-
-<file path=ppt/slides/slide11.xml><?xml version="1.0" encoding="utf-8"?>
-<p:sld xmlns:a="http://schemas.openxmlformats.org/drawingml/2006/main" xmlns:r="http://schemas.openxmlformats.org/officeDocument/2006/relationships" xmlns:p="http://schemas.openxmlformats.org/presentationml/2006/main">
-  <p:cSld>
-    <p:spTree>
-      <p:nvGrpSpPr>
-        <p:cNvPr id="1" name=""/>
-        <p:cNvGrpSpPr/>
-        <p:nvPr/>
-      </p:nvGrpSpPr>
-      <p:grpSpPr>
-        <a:xfrm>
-          <a:off x="0" y="0"/>
-          <a:ext cx="0" cy="0"/>
-          <a:chOff x="0" y="0"/>
-          <a:chExt cx="0" cy="0"/>
-        </a:xfrm>
-      </p:grpSpPr>
-      <p:pic>
-        <p:nvPicPr>
-          <p:cNvPr id="3" name="Рисунок 2"/>
-          <p:cNvPicPr>
-            <a:picLocks noChangeAspect="1"/>
-          </p:cNvPicPr>
-          <p:nvPr/>
-        </p:nvPicPr>
-        <p:blipFill>
-          <a:blip r:embed="rId2"/>
-          <a:stretch>
-            <a:fillRect/>
-          </a:stretch>
-        </p:blipFill>
-        <p:spPr>
-          <a:xfrm>
-            <a:off x="343580" y="341992"/>
-            <a:ext cx="8995927" cy="5942693"/>
-          </a:xfrm>
-          <a:prstGeom prst="rect">
-            <a:avLst/>
-          </a:prstGeom>
-        </p:spPr>
-      </p:pic>
-      <p:sp>
-        <p:nvSpPr>
-          <p:cNvPr id="4" name="TextBox 3"/>
-          <p:cNvSpPr txBox="1"/>
-          <p:nvPr/>
-        </p:nvSpPr>
-        <p:spPr>
-          <a:xfrm>
-            <a:off x="2604655" y="251009"/>
-            <a:ext cx="6497781" cy="523220"/>
-          </a:xfrm>
-          <a:prstGeom prst="rect">
-            <a:avLst/>
-          </a:prstGeom>
-          <a:noFill/>
-        </p:spPr>
-        <p:txBody>
-          <a:bodyPr wrap="square" rtlCol="0">
-            <a:spAutoFit/>
-          </a:bodyPr>
-          <a:lstStyle/>
-          <a:p>
-            <a:r>
-              <a:rPr lang="uk-UA" sz="2800" dirty="0">
-                <a:latin typeface="Arial Black" panose="020B0A04020102020204" pitchFamily="34" charset="0"/>
-              </a:rPr>
-              <a:t>Перегляд створеного завдання</a:t>
-            </a:r>
-          </a:p>
-        </p:txBody>
-      </p:sp>
-    </p:spTree>
-    <p:extLst>
-      <p:ext uri="{BB962C8B-B14F-4D97-AF65-F5344CB8AC3E}">
-        <p14:creationId xmlns:p14="http://schemas.microsoft.com/office/powerpoint/2010/main" val="1067898742"/>
-      </p:ext>
-    </p:extLst>
-  </p:cSld>
-  <p:clrMapOvr>
-    <a:masterClrMapping/>
-  </p:clrMapOvr>
-</p:sld>
-</file>
-
-<file path=ppt/slides/slide12.xml><?xml version="1.0" encoding="utf-8"?>
-<p:sld xmlns:a="http://schemas.openxmlformats.org/drawingml/2006/main" xmlns:r="http://schemas.openxmlformats.org/officeDocument/2006/relationships" xmlns:p="http://schemas.openxmlformats.org/presentationml/2006/main">
-  <p:cSld>
-    <p:spTree>
-      <p:nvGrpSpPr>
-        <p:cNvPr id="1" name=""/>
-        <p:cNvGrpSpPr/>
-        <p:nvPr/>
-      </p:nvGrpSpPr>
-      <p:grpSpPr>
-        <a:xfrm>
-          <a:off x="0" y="0"/>
-          <a:ext cx="0" cy="0"/>
-          <a:chOff x="0" y="0"/>
-          <a:chExt cx="0" cy="0"/>
-        </a:xfrm>
-      </p:grpSpPr>
-      <p:pic>
-        <p:nvPicPr>
-          <p:cNvPr id="2" name="Рисунок 1"/>
-          <p:cNvPicPr>
-            <a:picLocks noChangeAspect="1"/>
-          </p:cNvPicPr>
-          <p:nvPr/>
-        </p:nvPicPr>
-        <p:blipFill>
-          <a:blip r:embed="rId2"/>
-          <a:stretch>
-            <a:fillRect/>
-          </a:stretch>
-        </p:blipFill>
-        <p:spPr>
-          <a:xfrm>
-            <a:off x="455612" y="519566"/>
-            <a:ext cx="3535817" cy="5907271"/>
-          </a:xfrm>
-          <a:prstGeom prst="rect">
-            <a:avLst/>
-          </a:prstGeom>
-        </p:spPr>
-      </p:pic>
-      <p:pic>
-        <p:nvPicPr>
-          <p:cNvPr id="3" name="Рисунок 2"/>
-          <p:cNvPicPr>
-            <a:picLocks noChangeAspect="1"/>
-          </p:cNvPicPr>
-          <p:nvPr/>
-        </p:nvPicPr>
-        <p:blipFill>
-          <a:blip r:embed="rId3"/>
-          <a:stretch>
-            <a:fillRect/>
-          </a:stretch>
-        </p:blipFill>
-        <p:spPr>
-          <a:xfrm>
-            <a:off x="4132262" y="519565"/>
-            <a:ext cx="3537871" cy="5907271"/>
-          </a:xfrm>
-          <a:prstGeom prst="rect">
-            <a:avLst/>
-          </a:prstGeom>
-        </p:spPr>
-      </p:pic>
-      <p:pic>
-        <p:nvPicPr>
-          <p:cNvPr id="4" name="Рисунок 3"/>
-          <p:cNvPicPr>
-            <a:picLocks noChangeAspect="1"/>
-          </p:cNvPicPr>
-          <p:nvPr/>
-        </p:nvPicPr>
-        <p:blipFill>
-          <a:blip r:embed="rId4"/>
-          <a:stretch>
-            <a:fillRect/>
-          </a:stretch>
-        </p:blipFill>
-        <p:spPr>
-          <a:xfrm>
-            <a:off x="7810965" y="519564"/>
-            <a:ext cx="3561737" cy="5907271"/>
-          </a:xfrm>
-          <a:prstGeom prst="rect">
-            <a:avLst/>
-          </a:prstGeom>
-        </p:spPr>
-      </p:pic>
-      <p:sp>
-        <p:nvSpPr>
-          <p:cNvPr id="5" name="TextBox 4"/>
-          <p:cNvSpPr txBox="1"/>
-          <p:nvPr/>
-        </p:nvSpPr>
-        <p:spPr>
-          <a:xfrm>
-            <a:off x="455612" y="0"/>
-            <a:ext cx="10917090" cy="523220"/>
-          </a:xfrm>
-          <a:prstGeom prst="rect">
-            <a:avLst/>
-          </a:prstGeom>
-          <a:noFill/>
-        </p:spPr>
-        <p:txBody>
-          <a:bodyPr wrap="square" rtlCol="0">
-            <a:spAutoFit/>
-          </a:bodyPr>
-          <a:lstStyle/>
-          <a:p>
-            <a:r>
-              <a:rPr lang="uk-UA" sz="2800" dirty="0">
-                <a:latin typeface="Arial Black" panose="020B0A04020102020204" pitchFamily="34" charset="0"/>
-              </a:rPr>
-              <a:t>Виконання  завдання мобільним пристроєм</a:t>
-            </a:r>
-          </a:p>
-        </p:txBody>
-      </p:sp>
-    </p:spTree>
-    <p:extLst>
-      <p:ext uri="{BB962C8B-B14F-4D97-AF65-F5344CB8AC3E}">
-        <p14:creationId xmlns:p14="http://schemas.microsoft.com/office/powerpoint/2010/main" val="2009483972"/>
-      </p:ext>
-    </p:extLst>
-  </p:cSld>
-  <p:clrMapOvr>
-    <a:masterClrMapping/>
-  </p:clrMapOvr>
-</p:sld>
-</file>
-
-<file path=ppt/slides/slide13.xml><?xml version="1.0" encoding="utf-8"?>
-<p:sld xmlns:a="http://schemas.openxmlformats.org/drawingml/2006/main" xmlns:r="http://schemas.openxmlformats.org/officeDocument/2006/relationships" xmlns:p="http://schemas.openxmlformats.org/presentationml/2006/main">
-  <p:cSld>
-    <p:spTree>
-      <p:nvGrpSpPr>
-        <p:cNvPr id="1" name=""/>
-        <p:cNvGrpSpPr/>
-        <p:nvPr/>
-      </p:nvGrpSpPr>
-      <p:grpSpPr>
-        <a:xfrm>
-          <a:off x="0" y="0"/>
-          <a:ext cx="0" cy="0"/>
-          <a:chOff x="0" y="0"/>
-          <a:chExt cx="0" cy="0"/>
-        </a:xfrm>
-      </p:grpSpPr>
-      <p:pic>
-        <p:nvPicPr>
-          <p:cNvPr id="3" name="Рисунок 2"/>
-          <p:cNvPicPr>
-            <a:picLocks noChangeAspect="1"/>
-          </p:cNvPicPr>
-          <p:nvPr/>
-        </p:nvPicPr>
-        <p:blipFill>
-          <a:blip r:embed="rId2"/>
-          <a:stretch>
-            <a:fillRect/>
-          </a:stretch>
-        </p:blipFill>
-        <p:spPr>
-          <a:xfrm>
-            <a:off x="407370" y="426830"/>
-            <a:ext cx="8889030" cy="5826322"/>
-          </a:xfrm>
-          <a:prstGeom prst="rect">
-            <a:avLst/>
-          </a:prstGeom>
-        </p:spPr>
-      </p:pic>
-      <p:sp>
-        <p:nvSpPr>
-          <p:cNvPr id="4" name="TextBox 3"/>
-          <p:cNvSpPr txBox="1"/>
-          <p:nvPr/>
-        </p:nvSpPr>
-        <p:spPr>
-          <a:xfrm>
-            <a:off x="518206" y="165220"/>
-            <a:ext cx="9512485" cy="523220"/>
-          </a:xfrm>
-          <a:prstGeom prst="rect">
-            <a:avLst/>
-          </a:prstGeom>
-          <a:noFill/>
-        </p:spPr>
-        <p:txBody>
-          <a:bodyPr wrap="square" rtlCol="0">
-            <a:spAutoFit/>
-          </a:bodyPr>
-          <a:lstStyle/>
-          <a:p>
-            <a:r>
-              <a:rPr lang="uk-UA" sz="2800" dirty="0">
-                <a:latin typeface="Arial Black" panose="020B0A04020102020204" pitchFamily="34" charset="0"/>
-              </a:rPr>
-              <a:t>Перегляд результату виконання завдання</a:t>
-            </a:r>
-          </a:p>
-        </p:txBody>
-      </p:sp>
-    </p:spTree>
-    <p:extLst>
-      <p:ext uri="{BB962C8B-B14F-4D97-AF65-F5344CB8AC3E}">
-        <p14:creationId xmlns:p14="http://schemas.microsoft.com/office/powerpoint/2010/main" val="3587628285"/>
-      </p:ext>
-    </p:extLst>
-  </p:cSld>
-  <p:clrMapOvr>
-    <a:masterClrMapping/>
-  </p:clrMapOvr>
-</p:sld>
-</file>
-
-<file path=ppt/slides/slide14.xml><?xml version="1.0" encoding="utf-8"?>
-<p:sld xmlns:a="http://schemas.openxmlformats.org/drawingml/2006/main" xmlns:r="http://schemas.openxmlformats.org/officeDocument/2006/relationships" xmlns:p="http://schemas.openxmlformats.org/presentationml/2006/main">
-  <p:cSld>
-    <p:spTree>
-      <p:nvGrpSpPr>
-        <p:cNvPr id="1" name=""/>
-        <p:cNvGrpSpPr/>
-        <p:nvPr/>
-      </p:nvGrpSpPr>
-      <p:grpSpPr>
-        <a:xfrm>
-          <a:off x="0" y="0"/>
-          <a:ext cx="0" cy="0"/>
-          <a:chOff x="0" y="0"/>
-          <a:chExt cx="0" cy="0"/>
-        </a:xfrm>
-      </p:grpSpPr>
-      <p:sp>
-        <p:nvSpPr>
-          <p:cNvPr id="2" name="TextBox 1"/>
-          <p:cNvSpPr txBox="1"/>
-          <p:nvPr/>
-        </p:nvSpPr>
-        <p:spPr>
-          <a:xfrm>
-            <a:off x="3505200" y="2978728"/>
-            <a:ext cx="5999018" cy="646331"/>
-          </a:xfrm>
-          <a:prstGeom prst="rect">
-            <a:avLst/>
-          </a:prstGeom>
-          <a:noFill/>
-        </p:spPr>
-        <p:txBody>
-          <a:bodyPr wrap="square" rtlCol="0">
-            <a:spAutoFit/>
-          </a:bodyPr>
-          <a:lstStyle/>
-          <a:p>
-            <a:r>
-              <a:rPr lang="uk-UA" sz="3600" dirty="0">
-                <a:latin typeface="Arial Black" panose="020B0A04020102020204" pitchFamily="34" charset="0"/>
-              </a:rPr>
-              <a:t>Дякую за увагу!</a:t>
-            </a:r>
-          </a:p>
-        </p:txBody>
-      </p:sp>
-    </p:spTree>
-    <p:extLst>
-      <p:ext uri="{BB962C8B-B14F-4D97-AF65-F5344CB8AC3E}">
-        <p14:creationId xmlns:p14="http://schemas.microsoft.com/office/powerpoint/2010/main" val="4128463204"/>
-      </p:ext>
-    </p:extLst>
-  </p:cSld>
-  <p:clrMapOvr>
-    <a:masterClrMapping/>
-  </p:clrMapOvr>
-</p:sld>
-</file>
-
 <file path=ppt/slides/slide2.xml><?xml version="1.0" encoding="utf-8"?>
 <p:sld xmlns:a="http://schemas.openxmlformats.org/drawingml/2006/main" xmlns:r="http://schemas.openxmlformats.org/officeDocument/2006/relationships" xmlns:p="http://schemas.openxmlformats.org/presentationml/2006/main">
   <p:cSld>
@@ -8079,68 +7624,6 @@
     <p:extLst>
       <p:ext uri="{BB962C8B-B14F-4D97-AF65-F5344CB8AC3E}">
         <p14:creationId xmlns:p14="http://schemas.microsoft.com/office/powerpoint/2010/main" val="4241423528"/>
-      </p:ext>
-    </p:extLst>
-  </p:cSld>
-  <p:clrMapOvr>
-    <a:masterClrMapping/>
-  </p:clrMapOvr>
-</p:sld>
-</file>
-
-<file path=ppt/slides/slide9.xml><?xml version="1.0" encoding="utf-8"?>
-<p:sld xmlns:a="http://schemas.openxmlformats.org/drawingml/2006/main" xmlns:r="http://schemas.openxmlformats.org/officeDocument/2006/relationships" xmlns:p="http://schemas.openxmlformats.org/presentationml/2006/main">
-  <p:cSld>
-    <p:spTree>
-      <p:nvGrpSpPr>
-        <p:cNvPr id="1" name=""/>
-        <p:cNvGrpSpPr/>
-        <p:nvPr/>
-      </p:nvGrpSpPr>
-      <p:grpSpPr>
-        <a:xfrm>
-          <a:off x="0" y="0"/>
-          <a:ext cx="0" cy="0"/>
-          <a:chOff x="0" y="0"/>
-          <a:chExt cx="0" cy="0"/>
-        </a:xfrm>
-      </p:grpSpPr>
-      <p:sp>
-        <p:nvSpPr>
-          <p:cNvPr id="2" name="TextBox 1"/>
-          <p:cNvSpPr txBox="1"/>
-          <p:nvPr/>
-        </p:nvSpPr>
-        <p:spPr>
-          <a:xfrm>
-            <a:off x="2382982" y="2895601"/>
-            <a:ext cx="7315200" cy="769441"/>
-          </a:xfrm>
-          <a:prstGeom prst="rect">
-            <a:avLst/>
-          </a:prstGeom>
-          <a:noFill/>
-        </p:spPr>
-        <p:txBody>
-          <a:bodyPr wrap="square" rtlCol="0">
-            <a:spAutoFit/>
-          </a:bodyPr>
-          <a:lstStyle/>
-          <a:p>
-            <a:pPr algn="ctr"/>
-            <a:r>
-              <a:rPr lang="uk-UA" sz="4400" dirty="0">
-                <a:latin typeface="Arial Black" panose="020B0A04020102020204" pitchFamily="34" charset="0"/>
-              </a:rPr>
-              <a:t>Практична частина</a:t>
-            </a:r>
-          </a:p>
-        </p:txBody>
-      </p:sp>
-    </p:spTree>
-    <p:extLst>
-      <p:ext uri="{BB962C8B-B14F-4D97-AF65-F5344CB8AC3E}">
-        <p14:creationId xmlns:p14="http://schemas.microsoft.com/office/powerpoint/2010/main" val="1418272840"/>
       </p:ext>
     </p:extLst>
   </p:cSld>
